--- a/青年聖歌I/(青年聖歌I110)活著為耶穌.pptx
+++ b/青年聖歌I/(青年聖歌I110)活著為耶穌.pptx
@@ -5,10 +5,15 @@
     <p:sldMasterId id="2147483672" r:id="rId1"/>
   </p:sldMasterIdLst>
   <p:sldIdLst>
-    <p:sldId id="256" r:id="rId2"/>
-    <p:sldId id="257" r:id="rId3"/>
-    <p:sldId id="258" r:id="rId4"/>
-    <p:sldId id="259" r:id="rId5"/>
+    <p:sldId id="260" r:id="rId2"/>
+    <p:sldId id="261" r:id="rId3"/>
+    <p:sldId id="262" r:id="rId4"/>
+    <p:sldId id="263" r:id="rId5"/>
+    <p:sldId id="264" r:id="rId6"/>
+    <p:sldId id="265" r:id="rId7"/>
+    <p:sldId id="266" r:id="rId8"/>
+    <p:sldId id="267" r:id="rId9"/>
+    <p:sldId id="268" r:id="rId10"/>
   </p:sldIdLst>
   <p:sldSz cx="12192000" cy="6858000"/>
   <p:notesSz cx="6858000" cy="9144000"/>
@@ -109,7 +114,7 @@
   </p:defaultTextStyle>
   <p:extLst>
     <p:ext uri="{EFAFB233-063F-42B5-8137-9DF3F51BA10A}">
-      <p15:sldGuideLst xmlns:p15="http://schemas.microsoft.com/office/powerpoint/2012/main" xmlns="">
+      <p15:sldGuideLst xmlns:p15="http://schemas.microsoft.com/office/powerpoint/2012/main">
         <p15:guide id="1" orient="horz" pos="2160" userDrawn="1">
           <p15:clr>
             <a:srgbClr val="A4A3A4"/>
@@ -308,7 +313,7 @@
             <a:fld id="{56B17361-AFF9-4A50-8FA1-CCBB1A96AC9B}" type="datetimeFigureOut">
               <a:rPr lang="zh-TW" altLang="en-US" smtClean="0"/>
               <a:pPr/>
-              <a:t>2020/1/16</a:t>
+              <a:t>2023/4/22</a:t>
             </a:fld>
             <a:endParaRPr lang="zh-TW" altLang="en-US"/>
           </a:p>
@@ -475,7 +480,7 @@
             <a:fld id="{56B17361-AFF9-4A50-8FA1-CCBB1A96AC9B}" type="datetimeFigureOut">
               <a:rPr lang="zh-TW" altLang="en-US" smtClean="0"/>
               <a:pPr/>
-              <a:t>2020/1/16</a:t>
+              <a:t>2023/4/22</a:t>
             </a:fld>
             <a:endParaRPr lang="zh-TW" altLang="en-US"/>
           </a:p>
@@ -652,7 +657,7 @@
             <a:fld id="{56B17361-AFF9-4A50-8FA1-CCBB1A96AC9B}" type="datetimeFigureOut">
               <a:rPr lang="zh-TW" altLang="en-US" smtClean="0"/>
               <a:pPr/>
-              <a:t>2020/1/16</a:t>
+              <a:t>2023/4/22</a:t>
             </a:fld>
             <a:endParaRPr lang="zh-TW" altLang="en-US"/>
           </a:p>
@@ -819,7 +824,7 @@
             <a:fld id="{56B17361-AFF9-4A50-8FA1-CCBB1A96AC9B}" type="datetimeFigureOut">
               <a:rPr lang="zh-TW" altLang="en-US" smtClean="0"/>
               <a:pPr/>
-              <a:t>2020/1/16</a:t>
+              <a:t>2023/4/22</a:t>
             </a:fld>
             <a:endParaRPr lang="zh-TW" altLang="en-US"/>
           </a:p>
@@ -1062,7 +1067,7 @@
             <a:fld id="{56B17361-AFF9-4A50-8FA1-CCBB1A96AC9B}" type="datetimeFigureOut">
               <a:rPr lang="zh-TW" altLang="en-US" smtClean="0"/>
               <a:pPr/>
-              <a:t>2020/1/16</a:t>
+              <a:t>2023/4/22</a:t>
             </a:fld>
             <a:endParaRPr lang="zh-TW" altLang="en-US"/>
           </a:p>
@@ -1347,7 +1352,7 @@
             <a:fld id="{56B17361-AFF9-4A50-8FA1-CCBB1A96AC9B}" type="datetimeFigureOut">
               <a:rPr lang="zh-TW" altLang="en-US" smtClean="0"/>
               <a:pPr/>
-              <a:t>2020/1/16</a:t>
+              <a:t>2023/4/22</a:t>
             </a:fld>
             <a:endParaRPr lang="zh-TW" altLang="en-US"/>
           </a:p>
@@ -1766,7 +1771,7 @@
             <a:fld id="{56B17361-AFF9-4A50-8FA1-CCBB1A96AC9B}" type="datetimeFigureOut">
               <a:rPr lang="zh-TW" altLang="en-US" smtClean="0"/>
               <a:pPr/>
-              <a:t>2020/1/16</a:t>
+              <a:t>2023/4/22</a:t>
             </a:fld>
             <a:endParaRPr lang="zh-TW" altLang="en-US"/>
           </a:p>
@@ -1881,7 +1886,7 @@
             <a:fld id="{56B17361-AFF9-4A50-8FA1-CCBB1A96AC9B}" type="datetimeFigureOut">
               <a:rPr lang="zh-TW" altLang="en-US" smtClean="0"/>
               <a:pPr/>
-              <a:t>2020/1/16</a:t>
+              <a:t>2023/4/22</a:t>
             </a:fld>
             <a:endParaRPr lang="zh-TW" altLang="en-US"/>
           </a:p>
@@ -1973,7 +1978,7 @@
             <a:fld id="{56B17361-AFF9-4A50-8FA1-CCBB1A96AC9B}" type="datetimeFigureOut">
               <a:rPr lang="zh-TW" altLang="en-US" smtClean="0"/>
               <a:pPr/>
-              <a:t>2020/1/16</a:t>
+              <a:t>2023/4/22</a:t>
             </a:fld>
             <a:endParaRPr lang="zh-TW" altLang="en-US"/>
           </a:p>
@@ -2247,7 +2252,7 @@
             <a:fld id="{56B17361-AFF9-4A50-8FA1-CCBB1A96AC9B}" type="datetimeFigureOut">
               <a:rPr lang="zh-TW" altLang="en-US" smtClean="0"/>
               <a:pPr/>
-              <a:t>2020/1/16</a:t>
+              <a:t>2023/4/22</a:t>
             </a:fld>
             <a:endParaRPr lang="zh-TW" altLang="en-US"/>
           </a:p>
@@ -2501,7 +2506,7 @@
             <a:fld id="{56B17361-AFF9-4A50-8FA1-CCBB1A96AC9B}" type="datetimeFigureOut">
               <a:rPr lang="zh-TW" altLang="en-US" smtClean="0"/>
               <a:pPr/>
-              <a:t>2020/1/16</a:t>
+              <a:t>2023/4/22</a:t>
             </a:fld>
             <a:endParaRPr lang="zh-TW" altLang="en-US"/>
           </a:p>
@@ -2716,7 +2721,7 @@
             <a:fld id="{56B17361-AFF9-4A50-8FA1-CCBB1A96AC9B}" type="datetimeFigureOut">
               <a:rPr lang="zh-TW" altLang="en-US" smtClean="0"/>
               <a:pPr/>
-              <a:t>2020/1/16</a:t>
+              <a:t>2023/4/22</a:t>
             </a:fld>
             <a:endParaRPr lang="zh-TW" altLang="en-US"/>
           </a:p>
@@ -3097,135 +3102,65 @@
             <p:ph type="title"/>
           </p:nvPr>
         </p:nvSpPr>
-        <p:spPr/>
-        <p:txBody>
-          <a:bodyPr/>
-          <a:lstStyle/>
-          <a:p>
-            <a:r>
-              <a:rPr lang="zh-TW" altLang="en-US" b="1" dirty="0">
+        <p:spPr>
+          <a:xfrm>
+            <a:off x="0" y="2660915"/>
+            <a:ext cx="12192000" cy="1143000"/>
+          </a:xfrm>
+        </p:spPr>
+        <p:txBody>
+          <a:bodyPr>
+            <a:noAutofit/>
+          </a:bodyPr>
+          <a:lstStyle/>
+          <a:p>
+            <a:r>
+              <a:rPr lang="zh-TW" altLang="en-US" sz="7200" b="1" i="1" dirty="0">
                 <a:solidFill>
                   <a:srgbClr val="000066"/>
                 </a:solidFill>
+                <a:effectLst>
+                  <a:outerShdw blurRad="38100" dist="38100" dir="2700000" algn="tl">
+                    <a:srgbClr val="000000">
+                      <a:alpha val="43137"/>
+                    </a:srgbClr>
+                  </a:outerShdw>
+                </a:effectLst>
                 <a:latin typeface="微軟正黑體" pitchFamily="34" charset="-120"/>
                 <a:ea typeface="微軟正黑體" pitchFamily="34" charset="-120"/>
               </a:rPr>
-              <a:t>活著為耶穌</a:t>
-            </a:r>
-          </a:p>
-        </p:txBody>
-      </p:sp>
-      <p:sp>
-        <p:nvSpPr>
-          <p:cNvPr id="5" name="內容版面配置區 4"/>
-          <p:cNvSpPr>
-            <a:spLocks noGrp="1"/>
-          </p:cNvSpPr>
-          <p:nvPr>
-            <p:ph idx="1"/>
-          </p:nvPr>
-        </p:nvSpPr>
-        <p:spPr/>
-        <p:txBody>
-          <a:bodyPr>
-            <a:normAutofit/>
-          </a:bodyPr>
-          <a:lstStyle/>
-          <a:p>
-            <a:pPr algn="ctr">
-              <a:buNone/>
-            </a:pPr>
-            <a:r>
-              <a:rPr lang="zh-TW" altLang="en-US" sz="6000" b="1" dirty="0">
+              <a:t>活</a:t>
+            </a:r>
+            <a:r>
+              <a:rPr lang="zh-TW" altLang="en-US" sz="7200" b="1" i="1" dirty="0">
                 <a:solidFill>
                   <a:srgbClr val="000066"/>
                 </a:solidFill>
+                <a:effectLst>
+                  <a:outerShdw blurRad="38100" dist="38100" dir="2700000" algn="tl">
+                    <a:srgbClr val="000000">
+                      <a:alpha val="43137"/>
+                    </a:srgbClr>
+                  </a:outerShdw>
+                </a:effectLst>
                 <a:latin typeface="微軟正黑體" pitchFamily="34" charset="-120"/>
                 <a:ea typeface="微軟正黑體" pitchFamily="34" charset="-120"/>
               </a:rPr>
-              <a:t>活著為耶穌  真平安</a:t>
-            </a:r>
-            <a:endParaRPr lang="en-US" altLang="zh-TW" sz="6000" b="1" dirty="0">
-              <a:solidFill>
-                <a:srgbClr val="000066"/>
-              </a:solidFill>
-              <a:latin typeface="微軟正黑體" pitchFamily="34" charset="-120"/>
-              <a:ea typeface="微軟正黑體" pitchFamily="34" charset="-120"/>
-            </a:endParaRPr>
-          </a:p>
-          <a:p>
-            <a:pPr algn="ctr">
-              <a:buNone/>
-            </a:pPr>
-            <a:r>
-              <a:rPr lang="zh-TW" altLang="en-US" sz="6000" b="1" dirty="0">
-                <a:solidFill>
-                  <a:srgbClr val="000066"/>
-                </a:solidFill>
-                <a:latin typeface="微軟正黑體" pitchFamily="34" charset="-120"/>
-                <a:ea typeface="微軟正黑體" pitchFamily="34" charset="-120"/>
-              </a:rPr>
-              <a:t>喜樂之江河  永不乾</a:t>
-            </a:r>
-            <a:endParaRPr lang="en-US" altLang="zh-TW" sz="6000" b="1" dirty="0">
-              <a:solidFill>
-                <a:srgbClr val="000066"/>
-              </a:solidFill>
-              <a:latin typeface="微軟正黑體" pitchFamily="34" charset="-120"/>
-              <a:ea typeface="微軟正黑體" pitchFamily="34" charset="-120"/>
-            </a:endParaRPr>
-          </a:p>
-          <a:p>
-            <a:pPr algn="ctr">
-              <a:buNone/>
-            </a:pPr>
-            <a:r>
-              <a:rPr lang="zh-TW" altLang="en-US" sz="6000" b="1" dirty="0">
-                <a:solidFill>
-                  <a:srgbClr val="000066"/>
-                </a:solidFill>
-                <a:latin typeface="微軟正黑體" pitchFamily="34" charset="-120"/>
-                <a:ea typeface="微軟正黑體" pitchFamily="34" charset="-120"/>
-              </a:rPr>
-              <a:t>試煉雖來臨  我不慌</a:t>
-            </a:r>
-            <a:endParaRPr lang="en-US" altLang="zh-TW" sz="6000" b="1" dirty="0">
-              <a:solidFill>
-                <a:srgbClr val="000066"/>
-              </a:solidFill>
-              <a:latin typeface="微軟正黑體" pitchFamily="34" charset="-120"/>
-              <a:ea typeface="微軟正黑體" pitchFamily="34" charset="-120"/>
-            </a:endParaRPr>
-          </a:p>
-          <a:p>
-            <a:pPr algn="ctr">
-              <a:buNone/>
-            </a:pPr>
-            <a:r>
-              <a:rPr lang="zh-TW" altLang="en-US" sz="6000" b="1" dirty="0">
-                <a:solidFill>
-                  <a:srgbClr val="000066"/>
-                </a:solidFill>
-                <a:latin typeface="微軟正黑體" pitchFamily="34" charset="-120"/>
-                <a:ea typeface="微軟正黑體" pitchFamily="34" charset="-120"/>
-              </a:rPr>
-              <a:t>活著為耶穌  主在旁</a:t>
+              <a:t>著為耶穌</a:t>
             </a:r>
           </a:p>
         </p:txBody>
       </p:sp>
     </p:spTree>
+    <p:extLst>
+      <p:ext uri="{BB962C8B-B14F-4D97-AF65-F5344CB8AC3E}">
+        <p14:creationId xmlns:p14="http://schemas.microsoft.com/office/powerpoint/2010/main" val="1629571662"/>
+      </p:ext>
+    </p:extLst>
   </p:cSld>
   <p:clrMapOvr>
     <a:masterClrMapping/>
   </p:clrMapOvr>
-  <p:timing>
-    <p:tnLst>
-      <p:par>
-        <p:cTn id="1" dur="indefinite" restart="never" nodeType="tmRoot"/>
-      </p:par>
-    </p:tnLst>
-  </p:timing>
 </p:sld>
 </file>
 
@@ -3248,63 +3183,40 @@
       </p:grpSpPr>
       <p:sp>
         <p:nvSpPr>
-          <p:cNvPr id="4" name="標題 3"/>
-          <p:cNvSpPr>
-            <a:spLocks noGrp="1"/>
-          </p:cNvSpPr>
-          <p:nvPr>
-            <p:ph type="title"/>
-          </p:nvPr>
-        </p:nvSpPr>
-        <p:spPr/>
-        <p:txBody>
-          <a:bodyPr/>
-          <a:lstStyle/>
-          <a:p>
-            <a:r>
-              <a:rPr lang="zh-TW" altLang="en-US" b="1" dirty="0">
+          <p:cNvPr id="5" name="內容版面配置區 4"/>
+          <p:cNvSpPr>
+            <a:spLocks noGrp="1"/>
+          </p:cNvSpPr>
+          <p:nvPr>
+            <p:ph idx="1"/>
+          </p:nvPr>
+        </p:nvSpPr>
+        <p:spPr>
+          <a:xfrm>
+            <a:off x="0" y="2084851"/>
+            <a:ext cx="12192000" cy="2404863"/>
+          </a:xfrm>
+        </p:spPr>
+        <p:txBody>
+          <a:bodyPr anchor="ctr">
+            <a:normAutofit/>
+          </a:bodyPr>
+          <a:lstStyle/>
+          <a:p>
+            <a:pPr algn="ctr">
+              <a:buNone/>
+            </a:pPr>
+            <a:r>
+              <a:rPr lang="zh-TW" altLang="en-US" sz="6400" b="1" dirty="0">
                 <a:solidFill>
                   <a:srgbClr val="000066"/>
                 </a:solidFill>
                 <a:latin typeface="微軟正黑體" pitchFamily="34" charset="-120"/>
                 <a:ea typeface="微軟正黑體" pitchFamily="34" charset="-120"/>
               </a:rPr>
-              <a:t>活著為耶穌</a:t>
-            </a:r>
-          </a:p>
-        </p:txBody>
-      </p:sp>
-      <p:sp>
-        <p:nvSpPr>
-          <p:cNvPr id="5" name="內容版面配置區 4"/>
-          <p:cNvSpPr>
-            <a:spLocks noGrp="1"/>
-          </p:cNvSpPr>
-          <p:nvPr>
-            <p:ph idx="1"/>
-          </p:nvPr>
-        </p:nvSpPr>
-        <p:spPr/>
-        <p:txBody>
-          <a:bodyPr>
-            <a:normAutofit/>
-          </a:bodyPr>
-          <a:lstStyle/>
-          <a:p>
-            <a:pPr algn="ctr">
-              <a:buNone/>
-            </a:pPr>
-            <a:r>
-              <a:rPr lang="zh-TW" altLang="en-US" sz="6000" b="1" dirty="0">
-                <a:solidFill>
-                  <a:srgbClr val="000066"/>
-                </a:solidFill>
-                <a:latin typeface="微軟正黑體" pitchFamily="34" charset="-120"/>
-                <a:ea typeface="微軟正黑體" pitchFamily="34" charset="-120"/>
-              </a:rPr>
-              <a:t>求主助我多事奉你</a:t>
-            </a:r>
-            <a:endParaRPr lang="en-US" altLang="zh-TW" sz="6000" b="1" dirty="0">
+              <a:t>活著為耶穌  真平安</a:t>
+            </a:r>
+            <a:endParaRPr lang="en-US" altLang="zh-TW" sz="6400" b="1" dirty="0">
               <a:solidFill>
                 <a:srgbClr val="000066"/>
               </a:solidFill>
@@ -3317,16 +3229,16 @@
               <a:buNone/>
             </a:pPr>
             <a:r>
-              <a:rPr lang="zh-TW" altLang="en-US" sz="6000" b="1" dirty="0">
+              <a:rPr lang="zh-TW" altLang="en-US" sz="6400" b="1" dirty="0">
                 <a:solidFill>
                   <a:srgbClr val="000066"/>
                 </a:solidFill>
                 <a:latin typeface="微軟正黑體" pitchFamily="34" charset="-120"/>
                 <a:ea typeface="微軟正黑體" pitchFamily="34" charset="-120"/>
               </a:rPr>
-              <a:t>求主助我多讚美你</a:t>
-            </a:r>
-            <a:endParaRPr lang="en-US" altLang="zh-TW" sz="6000" b="1" dirty="0">
+              <a:t>喜樂之江河  永不乾</a:t>
+            </a:r>
+            <a:endParaRPr lang="en-US" altLang="zh-TW" sz="6400" b="1" dirty="0">
               <a:solidFill>
                 <a:srgbClr val="000066"/>
               </a:solidFill>
@@ -3334,57 +3246,90 @@
               <a:ea typeface="微軟正黑體" pitchFamily="34" charset="-120"/>
             </a:endParaRPr>
           </a:p>
-          <a:p>
-            <a:pPr algn="ctr">
-              <a:buNone/>
-            </a:pPr>
-            <a:r>
-              <a:rPr lang="zh-TW" altLang="en-US" sz="6000" b="1" dirty="0">
+        </p:txBody>
+      </p:sp>
+      <p:sp>
+        <p:nvSpPr>
+          <p:cNvPr id="3" name="TextBox 2"/>
+          <p:cNvSpPr txBox="1"/>
+          <p:nvPr/>
+        </p:nvSpPr>
+        <p:spPr>
+          <a:xfrm>
+            <a:off x="0" y="5157192"/>
+            <a:ext cx="12192000" cy="666786"/>
+          </a:xfrm>
+          <a:prstGeom prst="rect">
+            <a:avLst/>
+          </a:prstGeom>
+          <a:noFill/>
+        </p:spPr>
+        <p:txBody>
+          <a:bodyPr wrap="square" rtlCol="0">
+            <a:spAutoFit/>
+          </a:bodyPr>
+          <a:lstStyle/>
+          <a:p>
+            <a:pPr algn="ctr"/>
+            <a:r>
+              <a:rPr lang="en-US" sz="3733" b="1" dirty="0">
                 <a:solidFill>
                   <a:srgbClr val="000066"/>
                 </a:solidFill>
-                <a:latin typeface="微軟正黑體" pitchFamily="34" charset="-120"/>
-                <a:ea typeface="微軟正黑體" pitchFamily="34" charset="-120"/>
+                <a:latin typeface="Microsoft JhengHei" panose="020B0604030504040204" pitchFamily="34" charset="-120"/>
+                <a:ea typeface="Microsoft JhengHei" panose="020B0604030504040204" pitchFamily="34" charset="-120"/>
               </a:rPr>
-              <a:t>使我活在主慈愛裡</a:t>
-            </a:r>
-            <a:endParaRPr lang="en-US" altLang="zh-TW" sz="6000" b="1" dirty="0">
+              <a:t>( </a:t>
+            </a:r>
+            <a:r>
+              <a:rPr lang="zh-CN" altLang="en-US" sz="3733" b="1" dirty="0">
+                <a:solidFill>
+                  <a:srgbClr val="000066"/>
+                </a:solidFill>
+                <a:latin typeface="Microsoft JhengHei" panose="020B0604030504040204" pitchFamily="34" charset="-120"/>
+                <a:ea typeface="Microsoft JhengHei" panose="020B0604030504040204" pitchFamily="34" charset="-120"/>
+              </a:rPr>
+              <a:t>正 </a:t>
+            </a:r>
+            <a:r>
+              <a:rPr lang="en-US" altLang="zh-CN" sz="3733" b="1" dirty="0">
+                <a:solidFill>
+                  <a:srgbClr val="000066"/>
+                </a:solidFill>
+                <a:latin typeface="Microsoft JhengHei" panose="020B0604030504040204" pitchFamily="34" charset="-120"/>
+                <a:ea typeface="Microsoft JhengHei" panose="020B0604030504040204" pitchFamily="34" charset="-120"/>
+              </a:rPr>
+              <a:t>1</a:t>
+            </a:r>
+            <a:r>
+              <a:rPr lang="en-US" sz="3733" b="1" dirty="0">
+                <a:solidFill>
+                  <a:srgbClr val="000066"/>
+                </a:solidFill>
+                <a:latin typeface="Microsoft JhengHei" panose="020B0604030504040204" pitchFamily="34" charset="-120"/>
+                <a:ea typeface="Microsoft JhengHei" panose="020B0604030504040204" pitchFamily="34" charset="-120"/>
+              </a:rPr>
+              <a:t> )</a:t>
+            </a:r>
+            <a:endParaRPr lang="vi-VN" sz="3733" b="1" dirty="0">
               <a:solidFill>
                 <a:srgbClr val="000066"/>
               </a:solidFill>
-              <a:latin typeface="微軟正黑體" pitchFamily="34" charset="-120"/>
-              <a:ea typeface="微軟正黑體" pitchFamily="34" charset="-120"/>
+              <a:ea typeface="Microsoft JhengHei" panose="020B0604030504040204" pitchFamily="34" charset="-120"/>
             </a:endParaRPr>
           </a:p>
-          <a:p>
-            <a:pPr algn="ctr">
-              <a:buNone/>
-            </a:pPr>
-            <a:r>
-              <a:rPr lang="zh-TW" altLang="en-US" sz="6000" b="1" dirty="0">
-                <a:solidFill>
-                  <a:srgbClr val="000066"/>
-                </a:solidFill>
-                <a:latin typeface="微軟正黑體" pitchFamily="34" charset="-120"/>
-                <a:ea typeface="微軟正黑體" pitchFamily="34" charset="-120"/>
-              </a:rPr>
-              <a:t>永遠跟隨主不轉離</a:t>
-            </a:r>
-          </a:p>
         </p:txBody>
       </p:sp>
     </p:spTree>
+    <p:extLst>
+      <p:ext uri="{BB962C8B-B14F-4D97-AF65-F5344CB8AC3E}">
+        <p14:creationId xmlns:p14="http://schemas.microsoft.com/office/powerpoint/2010/main" val="84117535"/>
+      </p:ext>
+    </p:extLst>
   </p:cSld>
   <p:clrMapOvr>
     <a:masterClrMapping/>
   </p:clrMapOvr>
-  <p:timing>
-    <p:tnLst>
-      <p:par>
-        <p:cTn id="1" dur="indefinite" restart="never" nodeType="tmRoot"/>
-      </p:par>
-    </p:tnLst>
-  </p:timing>
 </p:sld>
 </file>
 
@@ -3407,63 +3352,40 @@
       </p:grpSpPr>
       <p:sp>
         <p:nvSpPr>
-          <p:cNvPr id="4" name="標題 3"/>
-          <p:cNvSpPr>
-            <a:spLocks noGrp="1"/>
-          </p:cNvSpPr>
-          <p:nvPr>
-            <p:ph type="title"/>
-          </p:nvPr>
-        </p:nvSpPr>
-        <p:spPr/>
-        <p:txBody>
-          <a:bodyPr/>
-          <a:lstStyle/>
-          <a:p>
-            <a:r>
-              <a:rPr lang="zh-TW" altLang="en-US" b="1" dirty="0">
+          <p:cNvPr id="5" name="內容版面配置區 4"/>
+          <p:cNvSpPr>
+            <a:spLocks noGrp="1"/>
+          </p:cNvSpPr>
+          <p:nvPr>
+            <p:ph idx="1"/>
+          </p:nvPr>
+        </p:nvSpPr>
+        <p:spPr>
+          <a:xfrm>
+            <a:off x="0" y="2084851"/>
+            <a:ext cx="12192000" cy="2404863"/>
+          </a:xfrm>
+        </p:spPr>
+        <p:txBody>
+          <a:bodyPr anchor="ctr">
+            <a:normAutofit/>
+          </a:bodyPr>
+          <a:lstStyle/>
+          <a:p>
+            <a:pPr algn="ctr">
+              <a:buNone/>
+            </a:pPr>
+            <a:r>
+              <a:rPr lang="zh-TW" altLang="en-US" sz="6400" b="1" dirty="0">
                 <a:solidFill>
                   <a:srgbClr val="000066"/>
                 </a:solidFill>
                 <a:latin typeface="微軟正黑體" pitchFamily="34" charset="-120"/>
                 <a:ea typeface="微軟正黑體" pitchFamily="34" charset="-120"/>
               </a:rPr>
-              <a:t>活著為耶穌</a:t>
-            </a:r>
-          </a:p>
-        </p:txBody>
-      </p:sp>
-      <p:sp>
-        <p:nvSpPr>
-          <p:cNvPr id="5" name="內容版面配置區 4"/>
-          <p:cNvSpPr>
-            <a:spLocks noGrp="1"/>
-          </p:cNvSpPr>
-          <p:nvPr>
-            <p:ph idx="1"/>
-          </p:nvPr>
-        </p:nvSpPr>
-        <p:spPr/>
-        <p:txBody>
-          <a:bodyPr>
-            <a:normAutofit/>
-          </a:bodyPr>
-          <a:lstStyle/>
-          <a:p>
-            <a:pPr algn="ctr">
-              <a:buNone/>
-            </a:pPr>
-            <a:r>
-              <a:rPr lang="zh-TW" altLang="en-US" sz="6000" b="1" dirty="0">
-                <a:solidFill>
-                  <a:srgbClr val="000066"/>
-                </a:solidFill>
-                <a:latin typeface="微軟正黑體" pitchFamily="34" charset="-120"/>
-                <a:ea typeface="微軟正黑體" pitchFamily="34" charset="-120"/>
-              </a:rPr>
-              <a:t>活著為耶穌  真安息</a:t>
-            </a:r>
-            <a:endParaRPr lang="en-US" altLang="zh-TW" sz="6000" b="1" dirty="0">
+              <a:t>試煉雖來臨  我不慌</a:t>
+            </a:r>
+            <a:endParaRPr lang="en-US" altLang="zh-TW" sz="6400" b="1" dirty="0">
               <a:solidFill>
                 <a:srgbClr val="000066"/>
               </a:solidFill>
@@ -3476,16 +3398,16 @@
               <a:buNone/>
             </a:pPr>
             <a:r>
-              <a:rPr lang="zh-TW" altLang="en-US" sz="6000" b="1" dirty="0">
+              <a:rPr lang="zh-TW" altLang="en-US" sz="6400" b="1" dirty="0">
                 <a:solidFill>
                   <a:srgbClr val="000066"/>
                 </a:solidFill>
                 <a:latin typeface="微軟正黑體" pitchFamily="34" charset="-120"/>
                 <a:ea typeface="微軟正黑體" pitchFamily="34" charset="-120"/>
               </a:rPr>
-              <a:t>討我主喜悅  福滿溢</a:t>
-            </a:r>
-            <a:endParaRPr lang="en-US" altLang="zh-TW" sz="6000" b="1" dirty="0">
+              <a:t>活著為耶穌  主在旁</a:t>
+            </a:r>
+            <a:endParaRPr lang="zh-TW" altLang="en-US" sz="6400" b="1" dirty="0">
               <a:solidFill>
                 <a:srgbClr val="000066"/>
               </a:solidFill>
@@ -3493,76 +3415,96 @@
               <a:ea typeface="微軟正黑體" pitchFamily="34" charset="-120"/>
             </a:endParaRPr>
           </a:p>
-          <a:p>
-            <a:pPr algn="ctr">
-              <a:buNone/>
-            </a:pPr>
-            <a:r>
-              <a:rPr lang="zh-TW" altLang="en-US" sz="6000" b="1" dirty="0">
+        </p:txBody>
+      </p:sp>
+      <p:sp>
+        <p:nvSpPr>
+          <p:cNvPr id="3" name="TextBox 2"/>
+          <p:cNvSpPr txBox="1"/>
+          <p:nvPr/>
+        </p:nvSpPr>
+        <p:spPr>
+          <a:xfrm>
+            <a:off x="0" y="5157192"/>
+            <a:ext cx="12192000" cy="666786"/>
+          </a:xfrm>
+          <a:prstGeom prst="rect">
+            <a:avLst/>
+          </a:prstGeom>
+          <a:noFill/>
+        </p:spPr>
+        <p:txBody>
+          <a:bodyPr wrap="square" rtlCol="0">
+            <a:spAutoFit/>
+          </a:bodyPr>
+          <a:lstStyle/>
+          <a:p>
+            <a:pPr algn="ctr"/>
+            <a:r>
+              <a:rPr lang="en-US" sz="3733" b="1" dirty="0">
                 <a:solidFill>
                   <a:srgbClr val="000066"/>
                 </a:solidFill>
-                <a:latin typeface="微軟正黑體" pitchFamily="34" charset="-120"/>
-                <a:ea typeface="微軟正黑體" pitchFamily="34" charset="-120"/>
+                <a:latin typeface="Microsoft JhengHei" panose="020B0604030504040204" pitchFamily="34" charset="-120"/>
+                <a:ea typeface="Microsoft JhengHei" panose="020B0604030504040204" pitchFamily="34" charset="-120"/>
               </a:rPr>
-              <a:t>單為主生活  聽主令</a:t>
-            </a:r>
-            <a:endParaRPr lang="en-US" altLang="zh-TW" sz="6000" b="1" dirty="0">
+              <a:t>( </a:t>
+            </a:r>
+            <a:r>
+              <a:rPr lang="zh-CN" altLang="en-US" sz="3733" b="1" dirty="0">
+                <a:solidFill>
+                  <a:srgbClr val="000066"/>
+                </a:solidFill>
+                <a:latin typeface="Microsoft JhengHei" panose="020B0604030504040204" pitchFamily="34" charset="-120"/>
+                <a:ea typeface="Microsoft JhengHei" panose="020B0604030504040204" pitchFamily="34" charset="-120"/>
+              </a:rPr>
+              <a:t>正 </a:t>
+            </a:r>
+            <a:r>
+              <a:rPr lang="en-US" altLang="zh-CN" sz="3733" b="1">
+                <a:solidFill>
+                  <a:srgbClr val="000066"/>
+                </a:solidFill>
+                <a:latin typeface="Microsoft JhengHei" panose="020B0604030504040204" pitchFamily="34" charset="-120"/>
+                <a:ea typeface="Microsoft JhengHei" panose="020B0604030504040204" pitchFamily="34" charset="-120"/>
+              </a:rPr>
+              <a:t>1</a:t>
+            </a:r>
+            <a:r>
+              <a:rPr lang="en-US" sz="3733" b="1">
+                <a:solidFill>
+                  <a:srgbClr val="000066"/>
+                </a:solidFill>
+                <a:latin typeface="Microsoft JhengHei" panose="020B0604030504040204" pitchFamily="34" charset="-120"/>
+                <a:ea typeface="Microsoft JhengHei" panose="020B0604030504040204" pitchFamily="34" charset="-120"/>
+              </a:rPr>
+              <a:t> </a:t>
+            </a:r>
+            <a:r>
+              <a:rPr lang="en-US" sz="3733" b="1" dirty="0">
+                <a:solidFill>
+                  <a:srgbClr val="000066"/>
+                </a:solidFill>
+                <a:latin typeface="Microsoft JhengHei" panose="020B0604030504040204" pitchFamily="34" charset="-120"/>
+                <a:ea typeface="Microsoft JhengHei" panose="020B0604030504040204" pitchFamily="34" charset="-120"/>
+              </a:rPr>
+              <a:t>)</a:t>
+            </a:r>
+            <a:endParaRPr lang="vi-VN" sz="3733" b="1" dirty="0">
               <a:solidFill>
                 <a:srgbClr val="000066"/>
               </a:solidFill>
-              <a:latin typeface="微軟正黑體" pitchFamily="34" charset="-120"/>
-              <a:ea typeface="微軟正黑體" pitchFamily="34" charset="-120"/>
+              <a:ea typeface="Microsoft JhengHei" panose="020B0604030504040204" pitchFamily="34" charset="-120"/>
             </a:endParaRPr>
           </a:p>
-          <a:p>
-            <a:pPr algn="ctr">
-              <a:buNone/>
-            </a:pPr>
-            <a:r>
-              <a:rPr lang="zh-TW" altLang="en-US" sz="6000" b="1" dirty="0">
-                <a:solidFill>
-                  <a:srgbClr val="000066"/>
-                </a:solidFill>
-                <a:latin typeface="微軟正黑體" pitchFamily="34" charset="-120"/>
-                <a:ea typeface="微軟正黑體" pitchFamily="34" charset="-120"/>
-              </a:rPr>
-              <a:t>直到我</a:t>
-            </a:r>
-            <a:r>
-              <a:rPr lang="zh-TW" altLang="en-US" sz="6000" b="1">
-                <a:solidFill>
-                  <a:srgbClr val="000066"/>
-                </a:solidFill>
-                <a:latin typeface="微軟正黑體" pitchFamily="34" charset="-120"/>
-                <a:ea typeface="微軟正黑體" pitchFamily="34" charset="-120"/>
-              </a:rPr>
-              <a:t>走</a:t>
-            </a:r>
-            <a:r>
-              <a:rPr lang="zh-TW" altLang="en-US" sz="6000" b="1" smtClean="0">
-                <a:solidFill>
-                  <a:srgbClr val="000066"/>
-                </a:solidFill>
-                <a:latin typeface="微軟正黑體" pitchFamily="34" charset="-120"/>
-                <a:ea typeface="微軟正黑體" pitchFamily="34" charset="-120"/>
-              </a:rPr>
-              <a:t>完  世</a:t>
-            </a:r>
-            <a:r>
-              <a:rPr lang="zh-TW" altLang="en-US" sz="6000" b="1" dirty="0">
-                <a:solidFill>
-                  <a:srgbClr val="000066"/>
-                </a:solidFill>
-                <a:latin typeface="微軟正黑體" pitchFamily="34" charset="-120"/>
-                <a:ea typeface="微軟正黑體" pitchFamily="34" charset="-120"/>
-              </a:rPr>
-              <a:t>路程</a:t>
-            </a:r>
-          </a:p>
         </p:txBody>
       </p:sp>
     </p:spTree>
+    <p:extLst>
+      <p:ext uri="{BB962C8B-B14F-4D97-AF65-F5344CB8AC3E}">
+        <p14:creationId xmlns:p14="http://schemas.microsoft.com/office/powerpoint/2010/main" val="3199521695"/>
+      </p:ext>
+    </p:extLst>
   </p:cSld>
   <p:clrMapOvr>
     <a:masterClrMapping/>
@@ -3589,63 +3531,40 @@
       </p:grpSpPr>
       <p:sp>
         <p:nvSpPr>
-          <p:cNvPr id="4" name="標題 3"/>
-          <p:cNvSpPr>
-            <a:spLocks noGrp="1"/>
-          </p:cNvSpPr>
-          <p:nvPr>
-            <p:ph type="title"/>
-          </p:nvPr>
-        </p:nvSpPr>
-        <p:spPr/>
-        <p:txBody>
-          <a:bodyPr/>
-          <a:lstStyle/>
-          <a:p>
-            <a:r>
-              <a:rPr lang="zh-TW" altLang="en-US" b="1" dirty="0">
+          <p:cNvPr id="5" name="內容版面配置區 4"/>
+          <p:cNvSpPr>
+            <a:spLocks noGrp="1"/>
+          </p:cNvSpPr>
+          <p:nvPr>
+            <p:ph idx="1"/>
+          </p:nvPr>
+        </p:nvSpPr>
+        <p:spPr>
+          <a:xfrm>
+            <a:off x="0" y="2084851"/>
+            <a:ext cx="12192000" cy="2404863"/>
+          </a:xfrm>
+        </p:spPr>
+        <p:txBody>
+          <a:bodyPr anchor="ctr">
+            <a:normAutofit/>
+          </a:bodyPr>
+          <a:lstStyle/>
+          <a:p>
+            <a:pPr algn="ctr">
+              <a:buNone/>
+            </a:pPr>
+            <a:r>
+              <a:rPr lang="zh-TW" altLang="en-US" sz="6400" b="1" dirty="0">
                 <a:solidFill>
                   <a:srgbClr val="000066"/>
                 </a:solidFill>
                 <a:latin typeface="微軟正黑體" pitchFamily="34" charset="-120"/>
                 <a:ea typeface="微軟正黑體" pitchFamily="34" charset="-120"/>
               </a:rPr>
-              <a:t>活著為耶穌</a:t>
-            </a:r>
-          </a:p>
-        </p:txBody>
-      </p:sp>
-      <p:sp>
-        <p:nvSpPr>
-          <p:cNvPr id="5" name="內容版面配置區 4"/>
-          <p:cNvSpPr>
-            <a:spLocks noGrp="1"/>
-          </p:cNvSpPr>
-          <p:nvPr>
-            <p:ph idx="1"/>
-          </p:nvPr>
-        </p:nvSpPr>
-        <p:spPr/>
-        <p:txBody>
-          <a:bodyPr>
-            <a:normAutofit/>
-          </a:bodyPr>
-          <a:lstStyle/>
-          <a:p>
-            <a:pPr algn="ctr">
-              <a:buNone/>
-            </a:pPr>
-            <a:r>
-              <a:rPr lang="zh-TW" altLang="en-US" sz="6000" b="1" dirty="0">
-                <a:solidFill>
-                  <a:srgbClr val="000066"/>
-                </a:solidFill>
-                <a:latin typeface="微軟正黑體" pitchFamily="34" charset="-120"/>
-                <a:ea typeface="微軟正黑體" pitchFamily="34" charset="-120"/>
-              </a:rPr>
-              <a:t>求主助我多事奉你</a:t>
-            </a:r>
-            <a:endParaRPr lang="en-US" altLang="zh-TW" sz="6000" b="1" dirty="0">
+              <a:t>求主助我多事奉祢</a:t>
+            </a:r>
+            <a:endParaRPr lang="en-US" altLang="zh-TW" sz="6400" b="1" dirty="0">
               <a:solidFill>
                 <a:srgbClr val="000066"/>
               </a:solidFill>
@@ -3658,16 +3577,16 @@
               <a:buNone/>
             </a:pPr>
             <a:r>
-              <a:rPr lang="zh-TW" altLang="en-US" sz="6000" b="1" dirty="0">
+              <a:rPr lang="zh-TW" altLang="en-US" sz="6400" b="1" dirty="0">
                 <a:solidFill>
                   <a:srgbClr val="000066"/>
                 </a:solidFill>
                 <a:latin typeface="微軟正黑體" pitchFamily="34" charset="-120"/>
                 <a:ea typeface="微軟正黑體" pitchFamily="34" charset="-120"/>
               </a:rPr>
-              <a:t>求主助我多讚美你</a:t>
-            </a:r>
-            <a:endParaRPr lang="en-US" altLang="zh-TW" sz="6000" b="1" dirty="0">
+              <a:t>求主助我多讚美祢</a:t>
+            </a:r>
+            <a:endParaRPr lang="en-US" altLang="zh-TW" sz="6400" b="1" dirty="0">
               <a:solidFill>
                 <a:srgbClr val="000066"/>
               </a:solidFill>
@@ -3675,12 +3594,65 @@
               <a:ea typeface="微軟正黑體" pitchFamily="34" charset="-120"/>
             </a:endParaRPr>
           </a:p>
+        </p:txBody>
+      </p:sp>
+    </p:spTree>
+    <p:extLst>
+      <p:ext uri="{BB962C8B-B14F-4D97-AF65-F5344CB8AC3E}">
+        <p14:creationId xmlns:p14="http://schemas.microsoft.com/office/powerpoint/2010/main" val="1126842797"/>
+      </p:ext>
+    </p:extLst>
+  </p:cSld>
+  <p:clrMapOvr>
+    <a:masterClrMapping/>
+  </p:clrMapOvr>
+</p:sld>
+</file>
+
+<file path=ppt/slides/slide5.xml><?xml version="1.0" encoding="utf-8"?>
+<p:sld xmlns:a="http://schemas.openxmlformats.org/drawingml/2006/main" xmlns:r="http://schemas.openxmlformats.org/officeDocument/2006/relationships" xmlns:p="http://schemas.openxmlformats.org/presentationml/2006/main">
+  <p:cSld>
+    <p:spTree>
+      <p:nvGrpSpPr>
+        <p:cNvPr id="1" name=""/>
+        <p:cNvGrpSpPr/>
+        <p:nvPr/>
+      </p:nvGrpSpPr>
+      <p:grpSpPr>
+        <a:xfrm>
+          <a:off x="0" y="0"/>
+          <a:ext cx="0" cy="0"/>
+          <a:chOff x="0" y="0"/>
+          <a:chExt cx="0" cy="0"/>
+        </a:xfrm>
+      </p:grpSpPr>
+      <p:sp>
+        <p:nvSpPr>
+          <p:cNvPr id="5" name="內容版面配置區 4"/>
+          <p:cNvSpPr>
+            <a:spLocks noGrp="1"/>
+          </p:cNvSpPr>
+          <p:nvPr>
+            <p:ph idx="1"/>
+          </p:nvPr>
+        </p:nvSpPr>
+        <p:spPr>
+          <a:xfrm>
+            <a:off x="0" y="2084851"/>
+            <a:ext cx="12192000" cy="2404863"/>
+          </a:xfrm>
+        </p:spPr>
+        <p:txBody>
+          <a:bodyPr anchor="ctr">
+            <a:normAutofit/>
+          </a:bodyPr>
+          <a:lstStyle/>
           <a:p>
             <a:pPr algn="ctr">
               <a:buNone/>
             </a:pPr>
             <a:r>
-              <a:rPr lang="zh-TW" altLang="en-US" sz="6000" b="1" dirty="0">
+              <a:rPr lang="zh-TW" altLang="en-US" sz="6400" b="1" dirty="0">
                 <a:solidFill>
                   <a:srgbClr val="000066"/>
                 </a:solidFill>
@@ -3689,7 +3661,7 @@
               </a:rPr>
               <a:t>使我活在主慈愛裡</a:t>
             </a:r>
-            <a:endParaRPr lang="en-US" altLang="zh-TW" sz="6000" b="1" dirty="0">
+            <a:endParaRPr lang="en-US" altLang="zh-TW" sz="6400" b="1" dirty="0">
               <a:solidFill>
                 <a:srgbClr val="000066"/>
               </a:solidFill>
@@ -3702,7 +3674,7 @@
               <a:buNone/>
             </a:pPr>
             <a:r>
-              <a:rPr lang="zh-TW" altLang="en-US" sz="6000" b="1" dirty="0">
+              <a:rPr lang="zh-TW" altLang="en-US" sz="6400" b="1" dirty="0">
                 <a:solidFill>
                   <a:srgbClr val="000066"/>
                 </a:solidFill>
@@ -3711,10 +3683,554 @@
               </a:rPr>
               <a:t>永遠跟隨主不轉離</a:t>
             </a:r>
+            <a:endParaRPr lang="zh-TW" altLang="en-US" sz="6400" b="1" dirty="0">
+              <a:solidFill>
+                <a:srgbClr val="000066"/>
+              </a:solidFill>
+              <a:latin typeface="微軟正黑體" pitchFamily="34" charset="-120"/>
+              <a:ea typeface="微軟正黑體" pitchFamily="34" charset="-120"/>
+            </a:endParaRPr>
           </a:p>
         </p:txBody>
       </p:sp>
     </p:spTree>
+    <p:extLst>
+      <p:ext uri="{BB962C8B-B14F-4D97-AF65-F5344CB8AC3E}">
+        <p14:creationId xmlns:p14="http://schemas.microsoft.com/office/powerpoint/2010/main" val="1649196570"/>
+      </p:ext>
+    </p:extLst>
+  </p:cSld>
+  <p:clrMapOvr>
+    <a:masterClrMapping/>
+  </p:clrMapOvr>
+</p:sld>
+</file>
+
+<file path=ppt/slides/slide6.xml><?xml version="1.0" encoding="utf-8"?>
+<p:sld xmlns:a="http://schemas.openxmlformats.org/drawingml/2006/main" xmlns:r="http://schemas.openxmlformats.org/officeDocument/2006/relationships" xmlns:p="http://schemas.openxmlformats.org/presentationml/2006/main">
+  <p:cSld>
+    <p:spTree>
+      <p:nvGrpSpPr>
+        <p:cNvPr id="1" name=""/>
+        <p:cNvGrpSpPr/>
+        <p:nvPr/>
+      </p:nvGrpSpPr>
+      <p:grpSpPr>
+        <a:xfrm>
+          <a:off x="0" y="0"/>
+          <a:ext cx="0" cy="0"/>
+          <a:chOff x="0" y="0"/>
+          <a:chExt cx="0" cy="0"/>
+        </a:xfrm>
+      </p:grpSpPr>
+      <p:sp>
+        <p:nvSpPr>
+          <p:cNvPr id="5" name="內容版面配置區 4"/>
+          <p:cNvSpPr>
+            <a:spLocks noGrp="1"/>
+          </p:cNvSpPr>
+          <p:nvPr>
+            <p:ph idx="1"/>
+          </p:nvPr>
+        </p:nvSpPr>
+        <p:spPr>
+          <a:xfrm>
+            <a:off x="0" y="2084851"/>
+            <a:ext cx="12192000" cy="2404863"/>
+          </a:xfrm>
+        </p:spPr>
+        <p:txBody>
+          <a:bodyPr anchor="ctr">
+            <a:normAutofit/>
+          </a:bodyPr>
+          <a:lstStyle/>
+          <a:p>
+            <a:pPr algn="ctr">
+              <a:buNone/>
+            </a:pPr>
+            <a:r>
+              <a:rPr lang="zh-TW" altLang="en-US" sz="6400" b="1" dirty="0">
+                <a:solidFill>
+                  <a:srgbClr val="000066"/>
+                </a:solidFill>
+                <a:latin typeface="微軟正黑體" pitchFamily="34" charset="-120"/>
+                <a:ea typeface="微軟正黑體" pitchFamily="34" charset="-120"/>
+              </a:rPr>
+              <a:t>活著為耶穌  真安息</a:t>
+            </a:r>
+            <a:endParaRPr lang="en-US" altLang="zh-TW" sz="6400" b="1" dirty="0">
+              <a:solidFill>
+                <a:srgbClr val="000066"/>
+              </a:solidFill>
+              <a:latin typeface="微軟正黑體" pitchFamily="34" charset="-120"/>
+              <a:ea typeface="微軟正黑體" pitchFamily="34" charset="-120"/>
+            </a:endParaRPr>
+          </a:p>
+          <a:p>
+            <a:pPr algn="ctr">
+              <a:buNone/>
+            </a:pPr>
+            <a:r>
+              <a:rPr lang="zh-TW" altLang="en-US" sz="6400" b="1" dirty="0">
+                <a:solidFill>
+                  <a:srgbClr val="000066"/>
+                </a:solidFill>
+                <a:latin typeface="微軟正黑體" pitchFamily="34" charset="-120"/>
+                <a:ea typeface="微軟正黑體" pitchFamily="34" charset="-120"/>
+              </a:rPr>
+              <a:t>討我主喜悅  福滿溢</a:t>
+            </a:r>
+            <a:endParaRPr lang="en-US" altLang="zh-TW" sz="6400" b="1" dirty="0">
+              <a:solidFill>
+                <a:srgbClr val="000066"/>
+              </a:solidFill>
+              <a:latin typeface="微軟正黑體" pitchFamily="34" charset="-120"/>
+              <a:ea typeface="微軟正黑體" pitchFamily="34" charset="-120"/>
+            </a:endParaRPr>
+          </a:p>
+        </p:txBody>
+      </p:sp>
+      <p:sp>
+        <p:nvSpPr>
+          <p:cNvPr id="3" name="TextBox 2"/>
+          <p:cNvSpPr txBox="1"/>
+          <p:nvPr/>
+        </p:nvSpPr>
+        <p:spPr>
+          <a:xfrm>
+            <a:off x="0" y="5157192"/>
+            <a:ext cx="12192000" cy="666786"/>
+          </a:xfrm>
+          <a:prstGeom prst="rect">
+            <a:avLst/>
+          </a:prstGeom>
+          <a:noFill/>
+        </p:spPr>
+        <p:txBody>
+          <a:bodyPr wrap="square" rtlCol="0">
+            <a:spAutoFit/>
+          </a:bodyPr>
+          <a:lstStyle/>
+          <a:p>
+            <a:pPr algn="ctr"/>
+            <a:r>
+              <a:rPr lang="en-US" sz="3733" b="1" dirty="0">
+                <a:solidFill>
+                  <a:srgbClr val="000066"/>
+                </a:solidFill>
+                <a:latin typeface="Microsoft JhengHei" panose="020B0604030504040204" pitchFamily="34" charset="-120"/>
+                <a:ea typeface="Microsoft JhengHei" panose="020B0604030504040204" pitchFamily="34" charset="-120"/>
+              </a:rPr>
+              <a:t>( </a:t>
+            </a:r>
+            <a:r>
+              <a:rPr lang="zh-CN" altLang="en-US" sz="3733" b="1" dirty="0">
+                <a:solidFill>
+                  <a:srgbClr val="000066"/>
+                </a:solidFill>
+                <a:latin typeface="Microsoft JhengHei" panose="020B0604030504040204" pitchFamily="34" charset="-120"/>
+                <a:ea typeface="Microsoft JhengHei" panose="020B0604030504040204" pitchFamily="34" charset="-120"/>
+              </a:rPr>
+              <a:t>正 </a:t>
+            </a:r>
+            <a:r>
+              <a:rPr lang="en-US" altLang="zh-CN" sz="3733" b="1" dirty="0">
+                <a:solidFill>
+                  <a:srgbClr val="000066"/>
+                </a:solidFill>
+                <a:latin typeface="Microsoft JhengHei" panose="020B0604030504040204" pitchFamily="34" charset="-120"/>
+                <a:ea typeface="Microsoft JhengHei" panose="020B0604030504040204" pitchFamily="34" charset="-120"/>
+              </a:rPr>
+              <a:t>2</a:t>
+            </a:r>
+            <a:r>
+              <a:rPr lang="en-US" sz="3733" b="1" dirty="0">
+                <a:solidFill>
+                  <a:srgbClr val="000066"/>
+                </a:solidFill>
+                <a:latin typeface="Microsoft JhengHei" panose="020B0604030504040204" pitchFamily="34" charset="-120"/>
+                <a:ea typeface="Microsoft JhengHei" panose="020B0604030504040204" pitchFamily="34" charset="-120"/>
+              </a:rPr>
+              <a:t> )</a:t>
+            </a:r>
+            <a:endParaRPr lang="vi-VN" sz="3733" b="1" dirty="0">
+              <a:solidFill>
+                <a:srgbClr val="000066"/>
+              </a:solidFill>
+              <a:ea typeface="Microsoft JhengHei" panose="020B0604030504040204" pitchFamily="34" charset="-120"/>
+            </a:endParaRPr>
+          </a:p>
+        </p:txBody>
+      </p:sp>
+    </p:spTree>
+    <p:extLst>
+      <p:ext uri="{BB962C8B-B14F-4D97-AF65-F5344CB8AC3E}">
+        <p14:creationId xmlns:p14="http://schemas.microsoft.com/office/powerpoint/2010/main" val="3512200084"/>
+      </p:ext>
+    </p:extLst>
+  </p:cSld>
+  <p:clrMapOvr>
+    <a:masterClrMapping/>
+  </p:clrMapOvr>
+</p:sld>
+</file>
+
+<file path=ppt/slides/slide7.xml><?xml version="1.0" encoding="utf-8"?>
+<p:sld xmlns:a="http://schemas.openxmlformats.org/drawingml/2006/main" xmlns:r="http://schemas.openxmlformats.org/officeDocument/2006/relationships" xmlns:p="http://schemas.openxmlformats.org/presentationml/2006/main">
+  <p:cSld>
+    <p:spTree>
+      <p:nvGrpSpPr>
+        <p:cNvPr id="1" name=""/>
+        <p:cNvGrpSpPr/>
+        <p:nvPr/>
+      </p:nvGrpSpPr>
+      <p:grpSpPr>
+        <a:xfrm>
+          <a:off x="0" y="0"/>
+          <a:ext cx="0" cy="0"/>
+          <a:chOff x="0" y="0"/>
+          <a:chExt cx="0" cy="0"/>
+        </a:xfrm>
+      </p:grpSpPr>
+      <p:sp>
+        <p:nvSpPr>
+          <p:cNvPr id="5" name="內容版面配置區 4"/>
+          <p:cNvSpPr>
+            <a:spLocks noGrp="1"/>
+          </p:cNvSpPr>
+          <p:nvPr>
+            <p:ph idx="1"/>
+          </p:nvPr>
+        </p:nvSpPr>
+        <p:spPr>
+          <a:xfrm>
+            <a:off x="0" y="2084851"/>
+            <a:ext cx="12192000" cy="2404863"/>
+          </a:xfrm>
+        </p:spPr>
+        <p:txBody>
+          <a:bodyPr anchor="ctr">
+            <a:normAutofit/>
+          </a:bodyPr>
+          <a:lstStyle/>
+          <a:p>
+            <a:pPr algn="ctr">
+              <a:buNone/>
+            </a:pPr>
+            <a:r>
+              <a:rPr lang="zh-TW" altLang="en-US" sz="6400" b="1" dirty="0">
+                <a:solidFill>
+                  <a:srgbClr val="000066"/>
+                </a:solidFill>
+                <a:latin typeface="微軟正黑體" pitchFamily="34" charset="-120"/>
+                <a:ea typeface="微軟正黑體" pitchFamily="34" charset="-120"/>
+              </a:rPr>
+              <a:t>單為主生活  聽主令</a:t>
+            </a:r>
+            <a:endParaRPr lang="en-US" altLang="zh-TW" sz="6400" b="1" dirty="0">
+              <a:solidFill>
+                <a:srgbClr val="000066"/>
+              </a:solidFill>
+              <a:latin typeface="微軟正黑體" pitchFamily="34" charset="-120"/>
+              <a:ea typeface="微軟正黑體" pitchFamily="34" charset="-120"/>
+            </a:endParaRPr>
+          </a:p>
+          <a:p>
+            <a:pPr algn="ctr">
+              <a:buNone/>
+            </a:pPr>
+            <a:r>
+              <a:rPr lang="zh-TW" altLang="en-US" sz="6400" b="1" dirty="0">
+                <a:solidFill>
+                  <a:srgbClr val="000066"/>
+                </a:solidFill>
+                <a:latin typeface="微軟正黑體" pitchFamily="34" charset="-120"/>
+                <a:ea typeface="微軟正黑體" pitchFamily="34" charset="-120"/>
+              </a:rPr>
+              <a:t>直到我走完  世路程</a:t>
+            </a:r>
+            <a:endParaRPr lang="zh-TW" altLang="en-US" sz="6400" b="1" dirty="0">
+              <a:solidFill>
+                <a:srgbClr val="000066"/>
+              </a:solidFill>
+              <a:latin typeface="微軟正黑體" pitchFamily="34" charset="-120"/>
+              <a:ea typeface="微軟正黑體" pitchFamily="34" charset="-120"/>
+            </a:endParaRPr>
+          </a:p>
+        </p:txBody>
+      </p:sp>
+      <p:sp>
+        <p:nvSpPr>
+          <p:cNvPr id="3" name="TextBox 2"/>
+          <p:cNvSpPr txBox="1"/>
+          <p:nvPr/>
+        </p:nvSpPr>
+        <p:spPr>
+          <a:xfrm>
+            <a:off x="0" y="5157192"/>
+            <a:ext cx="12192000" cy="666786"/>
+          </a:xfrm>
+          <a:prstGeom prst="rect">
+            <a:avLst/>
+          </a:prstGeom>
+          <a:noFill/>
+        </p:spPr>
+        <p:txBody>
+          <a:bodyPr wrap="square" rtlCol="0">
+            <a:spAutoFit/>
+          </a:bodyPr>
+          <a:lstStyle/>
+          <a:p>
+            <a:pPr algn="ctr"/>
+            <a:r>
+              <a:rPr lang="en-US" sz="3733" b="1" dirty="0">
+                <a:solidFill>
+                  <a:srgbClr val="000066"/>
+                </a:solidFill>
+                <a:latin typeface="Microsoft JhengHei" panose="020B0604030504040204" pitchFamily="34" charset="-120"/>
+                <a:ea typeface="Microsoft JhengHei" panose="020B0604030504040204" pitchFamily="34" charset="-120"/>
+              </a:rPr>
+              <a:t>( </a:t>
+            </a:r>
+            <a:r>
+              <a:rPr lang="zh-CN" altLang="en-US" sz="3733" b="1" dirty="0">
+                <a:solidFill>
+                  <a:srgbClr val="000066"/>
+                </a:solidFill>
+                <a:latin typeface="Microsoft JhengHei" panose="020B0604030504040204" pitchFamily="34" charset="-120"/>
+                <a:ea typeface="Microsoft JhengHei" panose="020B0604030504040204" pitchFamily="34" charset="-120"/>
+              </a:rPr>
+              <a:t>正 </a:t>
+            </a:r>
+            <a:r>
+              <a:rPr lang="en-US" altLang="zh-CN" sz="3733" b="1" dirty="0">
+                <a:solidFill>
+                  <a:srgbClr val="000066"/>
+                </a:solidFill>
+                <a:latin typeface="Microsoft JhengHei" panose="020B0604030504040204" pitchFamily="34" charset="-120"/>
+                <a:ea typeface="Microsoft JhengHei" panose="020B0604030504040204" pitchFamily="34" charset="-120"/>
+              </a:rPr>
+              <a:t>2</a:t>
+            </a:r>
+            <a:r>
+              <a:rPr lang="en-US" sz="3733" b="1" dirty="0">
+                <a:solidFill>
+                  <a:srgbClr val="000066"/>
+                </a:solidFill>
+                <a:latin typeface="Microsoft JhengHei" panose="020B0604030504040204" pitchFamily="34" charset="-120"/>
+                <a:ea typeface="Microsoft JhengHei" panose="020B0604030504040204" pitchFamily="34" charset="-120"/>
+              </a:rPr>
+              <a:t> )</a:t>
+            </a:r>
+            <a:endParaRPr lang="vi-VN" sz="3733" b="1" dirty="0">
+              <a:solidFill>
+                <a:srgbClr val="000066"/>
+              </a:solidFill>
+              <a:ea typeface="Microsoft JhengHei" panose="020B0604030504040204" pitchFamily="34" charset="-120"/>
+            </a:endParaRPr>
+          </a:p>
+        </p:txBody>
+      </p:sp>
+    </p:spTree>
+    <p:extLst>
+      <p:ext uri="{BB962C8B-B14F-4D97-AF65-F5344CB8AC3E}">
+        <p14:creationId xmlns:p14="http://schemas.microsoft.com/office/powerpoint/2010/main" val="1990583454"/>
+      </p:ext>
+    </p:extLst>
+  </p:cSld>
+  <p:clrMapOvr>
+    <a:masterClrMapping/>
+  </p:clrMapOvr>
+</p:sld>
+</file>
+
+<file path=ppt/slides/slide8.xml><?xml version="1.0" encoding="utf-8"?>
+<p:sld xmlns:a="http://schemas.openxmlformats.org/drawingml/2006/main" xmlns:r="http://schemas.openxmlformats.org/officeDocument/2006/relationships" xmlns:p="http://schemas.openxmlformats.org/presentationml/2006/main">
+  <p:cSld>
+    <p:spTree>
+      <p:nvGrpSpPr>
+        <p:cNvPr id="1" name=""/>
+        <p:cNvGrpSpPr/>
+        <p:nvPr/>
+      </p:nvGrpSpPr>
+      <p:grpSpPr>
+        <a:xfrm>
+          <a:off x="0" y="0"/>
+          <a:ext cx="0" cy="0"/>
+          <a:chOff x="0" y="0"/>
+          <a:chExt cx="0" cy="0"/>
+        </a:xfrm>
+      </p:grpSpPr>
+      <p:sp>
+        <p:nvSpPr>
+          <p:cNvPr id="5" name="內容版面配置區 4"/>
+          <p:cNvSpPr>
+            <a:spLocks noGrp="1"/>
+          </p:cNvSpPr>
+          <p:nvPr>
+            <p:ph idx="1"/>
+          </p:nvPr>
+        </p:nvSpPr>
+        <p:spPr>
+          <a:xfrm>
+            <a:off x="0" y="2084851"/>
+            <a:ext cx="12192000" cy="2404863"/>
+          </a:xfrm>
+        </p:spPr>
+        <p:txBody>
+          <a:bodyPr anchor="ctr">
+            <a:normAutofit/>
+          </a:bodyPr>
+          <a:lstStyle/>
+          <a:p>
+            <a:pPr algn="ctr">
+              <a:buNone/>
+            </a:pPr>
+            <a:r>
+              <a:rPr lang="zh-TW" altLang="en-US" sz="6400" b="1" dirty="0">
+                <a:solidFill>
+                  <a:srgbClr val="000066"/>
+                </a:solidFill>
+                <a:latin typeface="微軟正黑體" pitchFamily="34" charset="-120"/>
+                <a:ea typeface="微軟正黑體" pitchFamily="34" charset="-120"/>
+              </a:rPr>
+              <a:t>求主助我多事奉祢</a:t>
+            </a:r>
+            <a:endParaRPr lang="en-US" altLang="zh-TW" sz="6400" b="1" dirty="0">
+              <a:solidFill>
+                <a:srgbClr val="000066"/>
+              </a:solidFill>
+              <a:latin typeface="微軟正黑體" pitchFamily="34" charset="-120"/>
+              <a:ea typeface="微軟正黑體" pitchFamily="34" charset="-120"/>
+            </a:endParaRPr>
+          </a:p>
+          <a:p>
+            <a:pPr algn="ctr">
+              <a:buNone/>
+            </a:pPr>
+            <a:r>
+              <a:rPr lang="zh-TW" altLang="en-US" sz="6400" b="1" dirty="0">
+                <a:solidFill>
+                  <a:srgbClr val="000066"/>
+                </a:solidFill>
+                <a:latin typeface="微軟正黑體" pitchFamily="34" charset="-120"/>
+                <a:ea typeface="微軟正黑體" pitchFamily="34" charset="-120"/>
+              </a:rPr>
+              <a:t>求主助我多讚美祢</a:t>
+            </a:r>
+            <a:endParaRPr lang="en-US" altLang="zh-TW" sz="6400" b="1" dirty="0">
+              <a:solidFill>
+                <a:srgbClr val="000066"/>
+              </a:solidFill>
+              <a:latin typeface="微軟正黑體" pitchFamily="34" charset="-120"/>
+              <a:ea typeface="微軟正黑體" pitchFamily="34" charset="-120"/>
+            </a:endParaRPr>
+          </a:p>
+        </p:txBody>
+      </p:sp>
+    </p:spTree>
+    <p:extLst>
+      <p:ext uri="{BB962C8B-B14F-4D97-AF65-F5344CB8AC3E}">
+        <p14:creationId xmlns:p14="http://schemas.microsoft.com/office/powerpoint/2010/main" val="1723082880"/>
+      </p:ext>
+    </p:extLst>
+  </p:cSld>
+  <p:clrMapOvr>
+    <a:masterClrMapping/>
+  </p:clrMapOvr>
+</p:sld>
+</file>
+
+<file path=ppt/slides/slide9.xml><?xml version="1.0" encoding="utf-8"?>
+<p:sld xmlns:a="http://schemas.openxmlformats.org/drawingml/2006/main" xmlns:r="http://schemas.openxmlformats.org/officeDocument/2006/relationships" xmlns:p="http://schemas.openxmlformats.org/presentationml/2006/main">
+  <p:cSld>
+    <p:spTree>
+      <p:nvGrpSpPr>
+        <p:cNvPr id="1" name=""/>
+        <p:cNvGrpSpPr/>
+        <p:nvPr/>
+      </p:nvGrpSpPr>
+      <p:grpSpPr>
+        <a:xfrm>
+          <a:off x="0" y="0"/>
+          <a:ext cx="0" cy="0"/>
+          <a:chOff x="0" y="0"/>
+          <a:chExt cx="0" cy="0"/>
+        </a:xfrm>
+      </p:grpSpPr>
+      <p:sp>
+        <p:nvSpPr>
+          <p:cNvPr id="5" name="內容版面配置區 4"/>
+          <p:cNvSpPr>
+            <a:spLocks noGrp="1"/>
+          </p:cNvSpPr>
+          <p:nvPr>
+            <p:ph idx="1"/>
+          </p:nvPr>
+        </p:nvSpPr>
+        <p:spPr>
+          <a:xfrm>
+            <a:off x="0" y="2084851"/>
+            <a:ext cx="12192000" cy="2404863"/>
+          </a:xfrm>
+        </p:spPr>
+        <p:txBody>
+          <a:bodyPr anchor="ctr">
+            <a:normAutofit/>
+          </a:bodyPr>
+          <a:lstStyle/>
+          <a:p>
+            <a:pPr algn="ctr">
+              <a:buNone/>
+            </a:pPr>
+            <a:r>
+              <a:rPr lang="zh-TW" altLang="en-US" sz="6400" b="1" dirty="0">
+                <a:solidFill>
+                  <a:srgbClr val="000066"/>
+                </a:solidFill>
+                <a:latin typeface="微軟正黑體" pitchFamily="34" charset="-120"/>
+                <a:ea typeface="微軟正黑體" pitchFamily="34" charset="-120"/>
+              </a:rPr>
+              <a:t>使我活在主慈愛裡</a:t>
+            </a:r>
+            <a:endParaRPr lang="en-US" altLang="zh-TW" sz="6400" b="1" dirty="0">
+              <a:solidFill>
+                <a:srgbClr val="000066"/>
+              </a:solidFill>
+              <a:latin typeface="微軟正黑體" pitchFamily="34" charset="-120"/>
+              <a:ea typeface="微軟正黑體" pitchFamily="34" charset="-120"/>
+            </a:endParaRPr>
+          </a:p>
+          <a:p>
+            <a:pPr algn="ctr">
+              <a:buNone/>
+            </a:pPr>
+            <a:r>
+              <a:rPr lang="zh-TW" altLang="en-US" sz="6400" b="1" dirty="0">
+                <a:solidFill>
+                  <a:srgbClr val="000066"/>
+                </a:solidFill>
+                <a:latin typeface="微軟正黑體" pitchFamily="34" charset="-120"/>
+                <a:ea typeface="微軟正黑體" pitchFamily="34" charset="-120"/>
+              </a:rPr>
+              <a:t>永遠跟隨主不轉離</a:t>
+            </a:r>
+            <a:endParaRPr lang="zh-TW" altLang="en-US" sz="6400" b="1" dirty="0">
+              <a:solidFill>
+                <a:srgbClr val="000066"/>
+              </a:solidFill>
+              <a:latin typeface="微軟正黑體" pitchFamily="34" charset="-120"/>
+              <a:ea typeface="微軟正黑體" pitchFamily="34" charset="-120"/>
+            </a:endParaRPr>
+          </a:p>
+        </p:txBody>
+      </p:sp>
+    </p:spTree>
+    <p:extLst>
+      <p:ext uri="{BB962C8B-B14F-4D97-AF65-F5344CB8AC3E}">
+        <p14:creationId xmlns:p14="http://schemas.microsoft.com/office/powerpoint/2010/main" val="425442286"/>
+      </p:ext>
+    </p:extLst>
   </p:cSld>
   <p:clrMapOvr>
     <a:masterClrMapping/>
